--- a/2022/June_Batch/5Javascript/3September/03-09-22-SyncAnd-Async/12javascript -Sync and Async.pptx
+++ b/2022/June_Batch/5Javascript/3September/03-09-22-SyncAnd-Async/12javascript -Sync and Async.pptx
@@ -28,16 +28,6 @@
     <p:sldId id="433" r:id="rId22"/>
     <p:sldId id="434" r:id="rId23"/>
     <p:sldId id="446" r:id="rId24"/>
-    <p:sldId id="440" r:id="rId25"/>
-    <p:sldId id="441" r:id="rId26"/>
-    <p:sldId id="442" r:id="rId27"/>
-    <p:sldId id="443" r:id="rId28"/>
-    <p:sldId id="444" r:id="rId29"/>
-    <p:sldId id="445" r:id="rId30"/>
-    <p:sldId id="421" r:id="rId31"/>
-    <p:sldId id="422" r:id="rId32"/>
-    <p:sldId id="423" r:id="rId33"/>
-    <p:sldId id="424" r:id="rId34"/>
   </p:sldIdLst>
   <p:sldSz cx="12192000" cy="6858000"/>
   <p:notesSz cx="6858000" cy="9144000"/>
@@ -138,7 +128,7 @@
   </p:defaultTextStyle>
   <p:extLst>
     <p:ext uri="{EFAFB233-063F-42B5-8137-9DF3F51BA10A}">
-      <p15:sldGuideLst xmlns="" xmlns:p15="http://schemas.microsoft.com/office/powerpoint/2012/main">
+      <p15:sldGuideLst xmlns:p15="http://schemas.microsoft.com/office/powerpoint/2012/main" xmlns="">
         <p15:guide id="1" orient="horz" pos="2160">
           <p15:clr>
             <a:srgbClr val="A4A3A4"/>
@@ -267,7 +257,7 @@
             <a:fld id="{7FCC5AE5-E495-4913-B643-A95A6AFABB00}" type="datetimeFigureOut">
               <a:rPr kumimoji="1" lang="ja-JP" altLang="en-US" smtClean="0"/>
               <a:pPr/>
-              <a:t>2022/8/31</a:t>
+              <a:t>2022/9/3</a:t>
             </a:fld>
             <a:endParaRPr kumimoji="1" lang="ja-JP" altLang="en-US"/>
           </a:p>
@@ -495,7 +485,7 @@
             <a:fld id="{7FCC5AE5-E495-4913-B643-A95A6AFABB00}" type="datetimeFigureOut">
               <a:rPr kumimoji="1" lang="ja-JP" altLang="en-US" smtClean="0"/>
               <a:pPr/>
-              <a:t>2022/8/31</a:t>
+              <a:t>2022/9/3</a:t>
             </a:fld>
             <a:endParaRPr kumimoji="1" lang="ja-JP" altLang="en-US"/>
           </a:p>
@@ -672,7 +662,7 @@
             <a:fld id="{7FCC5AE5-E495-4913-B643-A95A6AFABB00}" type="datetimeFigureOut">
               <a:rPr kumimoji="1" lang="ja-JP" altLang="en-US" smtClean="0"/>
               <a:pPr/>
-              <a:t>2022/8/31</a:t>
+              <a:t>2022/9/3</a:t>
             </a:fld>
             <a:endParaRPr kumimoji="1" lang="ja-JP" altLang="en-US"/>
           </a:p>
@@ -839,7 +829,7 @@
             <a:fld id="{7FCC5AE5-E495-4913-B643-A95A6AFABB00}" type="datetimeFigureOut">
               <a:rPr kumimoji="1" lang="ja-JP" altLang="en-US" smtClean="0"/>
               <a:pPr/>
-              <a:t>2022/8/31</a:t>
+              <a:t>2022/9/3</a:t>
             </a:fld>
             <a:endParaRPr kumimoji="1" lang="ja-JP" altLang="en-US"/>
           </a:p>
@@ -1085,7 +1075,7 @@
             <a:fld id="{7FCC5AE5-E495-4913-B643-A95A6AFABB00}" type="datetimeFigureOut">
               <a:rPr kumimoji="1" lang="ja-JP" altLang="en-US" smtClean="0"/>
               <a:pPr/>
-              <a:t>2022/8/31</a:t>
+              <a:t>2022/9/3</a:t>
             </a:fld>
             <a:endParaRPr kumimoji="1" lang="ja-JP" altLang="en-US"/>
           </a:p>
@@ -1351,7 +1341,7 @@
             <a:fld id="{7FCC5AE5-E495-4913-B643-A95A6AFABB00}" type="datetimeFigureOut">
               <a:rPr kumimoji="1" lang="ja-JP" altLang="en-US" smtClean="0"/>
               <a:pPr/>
-              <a:t>2022/8/31</a:t>
+              <a:t>2022/9/3</a:t>
             </a:fld>
             <a:endParaRPr kumimoji="1" lang="ja-JP" altLang="en-US"/>
           </a:p>
@@ -1727,7 +1717,7 @@
             <a:fld id="{7FCC5AE5-E495-4913-B643-A95A6AFABB00}" type="datetimeFigureOut">
               <a:rPr kumimoji="1" lang="ja-JP" altLang="en-US" smtClean="0"/>
               <a:pPr/>
-              <a:t>2022/8/31</a:t>
+              <a:t>2022/9/3</a:t>
             </a:fld>
             <a:endParaRPr kumimoji="1" lang="ja-JP" altLang="en-US"/>
           </a:p>
@@ -1842,7 +1832,7 @@
             <a:fld id="{7FCC5AE5-E495-4913-B643-A95A6AFABB00}" type="datetimeFigureOut">
               <a:rPr kumimoji="1" lang="ja-JP" altLang="en-US" smtClean="0"/>
               <a:pPr/>
-              <a:t>2022/8/31</a:t>
+              <a:t>2022/9/3</a:t>
             </a:fld>
             <a:endParaRPr kumimoji="1" lang="ja-JP" altLang="en-US"/>
           </a:p>
@@ -1934,7 +1924,7 @@
             <a:fld id="{7FCC5AE5-E495-4913-B643-A95A6AFABB00}" type="datetimeFigureOut">
               <a:rPr kumimoji="1" lang="ja-JP" altLang="en-US" smtClean="0"/>
               <a:pPr/>
-              <a:t>2022/8/31</a:t>
+              <a:t>2022/9/3</a:t>
             </a:fld>
             <a:endParaRPr kumimoji="1" lang="ja-JP" altLang="en-US"/>
           </a:p>
@@ -2194,7 +2184,7 @@
             <a:fld id="{7FCC5AE5-E495-4913-B643-A95A6AFABB00}" type="datetimeFigureOut">
               <a:rPr kumimoji="1" lang="ja-JP" altLang="en-US" smtClean="0"/>
               <a:pPr/>
-              <a:t>2022/8/31</a:t>
+              <a:t>2022/9/3</a:t>
             </a:fld>
             <a:endParaRPr kumimoji="1" lang="ja-JP" altLang="en-US"/>
           </a:p>
@@ -2460,7 +2450,7 @@
             <a:fld id="{7FCC5AE5-E495-4913-B643-A95A6AFABB00}" type="datetimeFigureOut">
               <a:rPr kumimoji="1" lang="ja-JP" altLang="en-US" smtClean="0"/>
               <a:pPr/>
-              <a:t>2022/8/31</a:t>
+              <a:t>2022/9/3</a:t>
             </a:fld>
             <a:endParaRPr kumimoji="1" lang="ja-JP" altLang="en-US"/>
           </a:p>
@@ -2679,7 +2669,7 @@
             <a:fld id="{7FCC5AE5-E495-4913-B643-A95A6AFABB00}" type="datetimeFigureOut">
               <a:rPr kumimoji="1" lang="ja-JP" altLang="en-US" smtClean="0"/>
               <a:pPr/>
-              <a:t>2022/8/31</a:t>
+              <a:t>2022/9/3</a:t>
             </a:fld>
             <a:endParaRPr kumimoji="1" lang="ja-JP" altLang="en-US"/>
           </a:p>
@@ -3216,7 +3206,7 @@
     </p:spTree>
     <p:extLst>
       <p:ext uri="{BB962C8B-B14F-4D97-AF65-F5344CB8AC3E}">
-        <p14:creationId xmlns="" xmlns:p14="http://schemas.microsoft.com/office/powerpoint/2010/main" val="4062787881"/>
+        <p14:creationId xmlns:p14="http://schemas.microsoft.com/office/powerpoint/2010/main" xmlns="" val="4062787881"/>
       </p:ext>
     </p:extLst>
   </p:cSld>
@@ -4509,500 +4499,6 @@
 </p:sld>
 </file>
 
-<file path=ppt/slides/slide24.xml><?xml version="1.0" encoding="utf-8"?>
-<p:sld xmlns:a="http://schemas.openxmlformats.org/drawingml/2006/main" xmlns:r="http://schemas.openxmlformats.org/officeDocument/2006/relationships" xmlns:p="http://schemas.openxmlformats.org/presentationml/2006/main">
-  <p:cSld>
-    <p:spTree>
-      <p:nvGrpSpPr>
-        <p:cNvPr id="1" name=""/>
-        <p:cNvGrpSpPr/>
-        <p:nvPr/>
-      </p:nvGrpSpPr>
-      <p:grpSpPr>
-        <a:xfrm>
-          <a:off x="0" y="0"/>
-          <a:ext cx="0" cy="0"/>
-          <a:chOff x="0" y="0"/>
-          <a:chExt cx="0" cy="0"/>
-        </a:xfrm>
-      </p:grpSpPr>
-      <p:sp>
-        <p:nvSpPr>
-          <p:cNvPr id="2" name="Title 1"/>
-          <p:cNvSpPr>
-            <a:spLocks noGrp="1"/>
-          </p:cNvSpPr>
-          <p:nvPr>
-            <p:ph type="title"/>
-          </p:nvPr>
-        </p:nvSpPr>
-        <p:spPr/>
-        <p:txBody>
-          <a:bodyPr/>
-          <a:lstStyle/>
-          <a:p>
-            <a:r>
-              <a:rPr lang="en-US" dirty="0" smtClean="0"/>
-              <a:t>HTTP Request</a:t>
-            </a:r>
-            <a:endParaRPr lang="en-US" dirty="0"/>
-          </a:p>
-        </p:txBody>
-      </p:sp>
-      <p:pic>
-        <p:nvPicPr>
-          <p:cNvPr id="3074" name="Picture 2"/>
-          <p:cNvPicPr>
-            <a:picLocks noGrp="1" noChangeAspect="1" noChangeArrowheads="1"/>
-          </p:cNvPicPr>
-          <p:nvPr>
-            <p:ph idx="1"/>
-          </p:nvPr>
-        </p:nvPicPr>
-        <p:blipFill>
-          <a:blip r:embed="rId2"/>
-          <a:srcRect/>
-          <a:stretch>
-            <a:fillRect/>
-          </a:stretch>
-        </p:blipFill>
-        <p:spPr bwMode="auto">
-          <a:xfrm>
-            <a:off x="1018903" y="1936819"/>
-            <a:ext cx="9993086" cy="4450918"/>
-          </a:xfrm>
-          <a:prstGeom prst="rect">
-            <a:avLst/>
-          </a:prstGeom>
-          <a:noFill/>
-          <a:ln w="9525">
-            <a:noFill/>
-            <a:miter lim="800000"/>
-            <a:headEnd/>
-            <a:tailEnd/>
-          </a:ln>
-          <a:effectLst/>
-        </p:spPr>
-      </p:pic>
-    </p:spTree>
-  </p:cSld>
-  <p:clrMapOvr>
-    <a:masterClrMapping/>
-  </p:clrMapOvr>
-</p:sld>
-</file>
-
-<file path=ppt/slides/slide25.xml><?xml version="1.0" encoding="utf-8"?>
-<p:sld xmlns:a="http://schemas.openxmlformats.org/drawingml/2006/main" xmlns:r="http://schemas.openxmlformats.org/officeDocument/2006/relationships" xmlns:p="http://schemas.openxmlformats.org/presentationml/2006/main">
-  <p:cSld>
-    <p:spTree>
-      <p:nvGrpSpPr>
-        <p:cNvPr id="1" name=""/>
-        <p:cNvGrpSpPr/>
-        <p:nvPr/>
-      </p:nvGrpSpPr>
-      <p:grpSpPr>
-        <a:xfrm>
-          <a:off x="0" y="0"/>
-          <a:ext cx="0" cy="0"/>
-          <a:chOff x="0" y="0"/>
-          <a:chExt cx="0" cy="0"/>
-        </a:xfrm>
-      </p:grpSpPr>
-      <p:sp>
-        <p:nvSpPr>
-          <p:cNvPr id="2" name="Title 1"/>
-          <p:cNvSpPr>
-            <a:spLocks noGrp="1"/>
-          </p:cNvSpPr>
-          <p:nvPr>
-            <p:ph type="title"/>
-          </p:nvPr>
-        </p:nvSpPr>
-        <p:spPr/>
-        <p:txBody>
-          <a:bodyPr/>
-          <a:lstStyle/>
-          <a:p>
-            <a:r>
-              <a:rPr lang="en-US" dirty="0" smtClean="0"/>
-              <a:t>HTTP Review</a:t>
-            </a:r>
-            <a:endParaRPr lang="en-US" dirty="0"/>
-          </a:p>
-        </p:txBody>
-      </p:sp>
-      <p:pic>
-        <p:nvPicPr>
-          <p:cNvPr id="4098" name="Picture 2"/>
-          <p:cNvPicPr>
-            <a:picLocks noGrp="1" noChangeAspect="1" noChangeArrowheads="1"/>
-          </p:cNvPicPr>
-          <p:nvPr>
-            <p:ph idx="1"/>
-          </p:nvPr>
-        </p:nvPicPr>
-        <p:blipFill>
-          <a:blip r:embed="rId2"/>
-          <a:srcRect/>
-          <a:stretch>
-            <a:fillRect/>
-          </a:stretch>
-        </p:blipFill>
-        <p:spPr bwMode="auto">
-          <a:xfrm>
-            <a:off x="1240699" y="1632858"/>
-            <a:ext cx="9170398" cy="4545873"/>
-          </a:xfrm>
-          <a:prstGeom prst="rect">
-            <a:avLst/>
-          </a:prstGeom>
-          <a:noFill/>
-          <a:ln w="9525">
-            <a:noFill/>
-            <a:miter lim="800000"/>
-            <a:headEnd/>
-            <a:tailEnd/>
-          </a:ln>
-          <a:effectLst/>
-        </p:spPr>
-      </p:pic>
-    </p:spTree>
-  </p:cSld>
-  <p:clrMapOvr>
-    <a:masterClrMapping/>
-  </p:clrMapOvr>
-</p:sld>
-</file>
-
-<file path=ppt/slides/slide26.xml><?xml version="1.0" encoding="utf-8"?>
-<p:sld xmlns:a="http://schemas.openxmlformats.org/drawingml/2006/main" xmlns:r="http://schemas.openxmlformats.org/officeDocument/2006/relationships" xmlns:p="http://schemas.openxmlformats.org/presentationml/2006/main">
-  <p:cSld>
-    <p:spTree>
-      <p:nvGrpSpPr>
-        <p:cNvPr id="1" name=""/>
-        <p:cNvGrpSpPr/>
-        <p:nvPr/>
-      </p:nvGrpSpPr>
-      <p:grpSpPr>
-        <a:xfrm>
-          <a:off x="0" y="0"/>
-          <a:ext cx="0" cy="0"/>
-          <a:chOff x="0" y="0"/>
-          <a:chExt cx="0" cy="0"/>
-        </a:xfrm>
-      </p:grpSpPr>
-      <p:sp>
-        <p:nvSpPr>
-          <p:cNvPr id="2" name="Title 1"/>
-          <p:cNvSpPr>
-            <a:spLocks noGrp="1"/>
-          </p:cNvSpPr>
-          <p:nvPr>
-            <p:ph type="title"/>
-          </p:nvPr>
-        </p:nvSpPr>
-        <p:spPr/>
-        <p:txBody>
-          <a:bodyPr/>
-          <a:lstStyle/>
-          <a:p>
-            <a:r>
-              <a:rPr lang="en-US" dirty="0" smtClean="0"/>
-              <a:t>Ajax</a:t>
-            </a:r>
-            <a:endParaRPr lang="en-US" dirty="0"/>
-          </a:p>
-        </p:txBody>
-      </p:sp>
-      <p:pic>
-        <p:nvPicPr>
-          <p:cNvPr id="5122" name="Picture 2"/>
-          <p:cNvPicPr>
-            <a:picLocks noGrp="1" noChangeAspect="1" noChangeArrowheads="1"/>
-          </p:cNvPicPr>
-          <p:nvPr>
-            <p:ph idx="1"/>
-          </p:nvPr>
-        </p:nvPicPr>
-        <p:blipFill>
-          <a:blip r:embed="rId2"/>
-          <a:srcRect/>
-          <a:stretch>
-            <a:fillRect/>
-          </a:stretch>
-        </p:blipFill>
-        <p:spPr bwMode="auto">
-          <a:xfrm>
-            <a:off x="2157684" y="1707401"/>
-            <a:ext cx="7534956" cy="4406015"/>
-          </a:xfrm>
-          <a:prstGeom prst="rect">
-            <a:avLst/>
-          </a:prstGeom>
-          <a:noFill/>
-          <a:ln w="9525">
-            <a:noFill/>
-            <a:miter lim="800000"/>
-            <a:headEnd/>
-            <a:tailEnd/>
-          </a:ln>
-          <a:effectLst/>
-        </p:spPr>
-      </p:pic>
-    </p:spTree>
-  </p:cSld>
-  <p:clrMapOvr>
-    <a:masterClrMapping/>
-  </p:clrMapOvr>
-</p:sld>
-</file>
-
-<file path=ppt/slides/slide27.xml><?xml version="1.0" encoding="utf-8"?>
-<p:sld xmlns:a="http://schemas.openxmlformats.org/drawingml/2006/main" xmlns:r="http://schemas.openxmlformats.org/officeDocument/2006/relationships" xmlns:p="http://schemas.openxmlformats.org/presentationml/2006/main">
-  <p:cSld>
-    <p:spTree>
-      <p:nvGrpSpPr>
-        <p:cNvPr id="1" name=""/>
-        <p:cNvGrpSpPr/>
-        <p:nvPr/>
-      </p:nvGrpSpPr>
-      <p:grpSpPr>
-        <a:xfrm>
-          <a:off x="0" y="0"/>
-          <a:ext cx="0" cy="0"/>
-          <a:chOff x="0" y="0"/>
-          <a:chExt cx="0" cy="0"/>
-        </a:xfrm>
-      </p:grpSpPr>
-      <p:sp>
-        <p:nvSpPr>
-          <p:cNvPr id="2" name="Title 1"/>
-          <p:cNvSpPr>
-            <a:spLocks noGrp="1"/>
-          </p:cNvSpPr>
-          <p:nvPr>
-            <p:ph type="title"/>
-          </p:nvPr>
-        </p:nvSpPr>
-        <p:spPr/>
-        <p:txBody>
-          <a:bodyPr/>
-          <a:lstStyle/>
-          <a:p>
-            <a:r>
-              <a:rPr lang="en-US" dirty="0" smtClean="0"/>
-              <a:t>Ajax</a:t>
-            </a:r>
-            <a:endParaRPr lang="en-US" dirty="0"/>
-          </a:p>
-        </p:txBody>
-      </p:sp>
-      <p:pic>
-        <p:nvPicPr>
-          <p:cNvPr id="6146" name="Picture 2"/>
-          <p:cNvPicPr>
-            <a:picLocks noGrp="1" noChangeAspect="1" noChangeArrowheads="1"/>
-          </p:cNvPicPr>
-          <p:nvPr>
-            <p:ph idx="1"/>
-          </p:nvPr>
-        </p:nvPicPr>
-        <p:blipFill>
-          <a:blip r:embed="rId2"/>
-          <a:srcRect/>
-          <a:stretch>
-            <a:fillRect/>
-          </a:stretch>
-        </p:blipFill>
-        <p:spPr bwMode="auto">
-          <a:xfrm>
-            <a:off x="2495006" y="1577430"/>
-            <a:ext cx="7197636" cy="4351338"/>
-          </a:xfrm>
-          <a:prstGeom prst="rect">
-            <a:avLst/>
-          </a:prstGeom>
-          <a:noFill/>
-          <a:ln w="9525">
-            <a:noFill/>
-            <a:miter lim="800000"/>
-            <a:headEnd/>
-            <a:tailEnd/>
-          </a:ln>
-          <a:effectLst/>
-        </p:spPr>
-      </p:pic>
-    </p:spTree>
-  </p:cSld>
-  <p:clrMapOvr>
-    <a:masterClrMapping/>
-  </p:clrMapOvr>
-</p:sld>
-</file>
-
-<file path=ppt/slides/slide28.xml><?xml version="1.0" encoding="utf-8"?>
-<p:sld xmlns:a="http://schemas.openxmlformats.org/drawingml/2006/main" xmlns:r="http://schemas.openxmlformats.org/officeDocument/2006/relationships" xmlns:p="http://schemas.openxmlformats.org/presentationml/2006/main">
-  <p:cSld>
-    <p:spTree>
-      <p:nvGrpSpPr>
-        <p:cNvPr id="1" name=""/>
-        <p:cNvGrpSpPr/>
-        <p:nvPr/>
-      </p:nvGrpSpPr>
-      <p:grpSpPr>
-        <a:xfrm>
-          <a:off x="0" y="0"/>
-          <a:ext cx="0" cy="0"/>
-          <a:chOff x="0" y="0"/>
-          <a:chExt cx="0" cy="0"/>
-        </a:xfrm>
-      </p:grpSpPr>
-      <p:sp>
-        <p:nvSpPr>
-          <p:cNvPr id="2" name="Title 1"/>
-          <p:cNvSpPr>
-            <a:spLocks noGrp="1"/>
-          </p:cNvSpPr>
-          <p:nvPr>
-            <p:ph type="title"/>
-          </p:nvPr>
-        </p:nvSpPr>
-        <p:spPr/>
-        <p:txBody>
-          <a:bodyPr/>
-          <a:lstStyle/>
-          <a:p>
-            <a:r>
-              <a:rPr lang="en-US" dirty="0" smtClean="0"/>
-              <a:t>Ajax</a:t>
-            </a:r>
-            <a:endParaRPr lang="en-US" dirty="0"/>
-          </a:p>
-        </p:txBody>
-      </p:sp>
-      <p:pic>
-        <p:nvPicPr>
-          <p:cNvPr id="7170" name="Picture 2"/>
-          <p:cNvPicPr>
-            <a:picLocks noGrp="1" noChangeAspect="1" noChangeArrowheads="1"/>
-          </p:cNvPicPr>
-          <p:nvPr>
-            <p:ph idx="1"/>
-          </p:nvPr>
-        </p:nvPicPr>
-        <p:blipFill>
-          <a:blip r:embed="rId2"/>
-          <a:srcRect/>
-          <a:stretch>
-            <a:fillRect/>
-          </a:stretch>
-        </p:blipFill>
-        <p:spPr bwMode="auto">
-          <a:xfrm>
-            <a:off x="1097279" y="2043089"/>
-            <a:ext cx="8556171" cy="4135642"/>
-          </a:xfrm>
-          <a:prstGeom prst="rect">
-            <a:avLst/>
-          </a:prstGeom>
-          <a:noFill/>
-          <a:ln w="9525">
-            <a:noFill/>
-            <a:miter lim="800000"/>
-            <a:headEnd/>
-            <a:tailEnd/>
-          </a:ln>
-          <a:effectLst/>
-        </p:spPr>
-      </p:pic>
-    </p:spTree>
-  </p:cSld>
-  <p:clrMapOvr>
-    <a:masterClrMapping/>
-  </p:clrMapOvr>
-</p:sld>
-</file>
-
-<file path=ppt/slides/slide29.xml><?xml version="1.0" encoding="utf-8"?>
-<p:sld xmlns:a="http://schemas.openxmlformats.org/drawingml/2006/main" xmlns:r="http://schemas.openxmlformats.org/officeDocument/2006/relationships" xmlns:p="http://schemas.openxmlformats.org/presentationml/2006/main">
-  <p:cSld>
-    <p:spTree>
-      <p:nvGrpSpPr>
-        <p:cNvPr id="1" name=""/>
-        <p:cNvGrpSpPr/>
-        <p:nvPr/>
-      </p:nvGrpSpPr>
-      <p:grpSpPr>
-        <a:xfrm>
-          <a:off x="0" y="0"/>
-          <a:ext cx="0" cy="0"/>
-          <a:chOff x="0" y="0"/>
-          <a:chExt cx="0" cy="0"/>
-        </a:xfrm>
-      </p:grpSpPr>
-      <p:sp>
-        <p:nvSpPr>
-          <p:cNvPr id="2" name="Title 1"/>
-          <p:cNvSpPr>
-            <a:spLocks noGrp="1"/>
-          </p:cNvSpPr>
-          <p:nvPr>
-            <p:ph type="title"/>
-          </p:nvPr>
-        </p:nvSpPr>
-        <p:spPr/>
-        <p:txBody>
-          <a:bodyPr/>
-          <a:lstStyle/>
-          <a:p>
-            <a:endParaRPr lang="en-US"/>
-          </a:p>
-        </p:txBody>
-      </p:sp>
-      <p:pic>
-        <p:nvPicPr>
-          <p:cNvPr id="32770" name="Picture 2"/>
-          <p:cNvPicPr>
-            <a:picLocks noGrp="1" noChangeAspect="1" noChangeArrowheads="1"/>
-          </p:cNvPicPr>
-          <p:nvPr>
-            <p:ph idx="1"/>
-          </p:nvPr>
-        </p:nvPicPr>
-        <p:blipFill>
-          <a:blip r:embed="rId2"/>
-          <a:srcRect/>
-          <a:stretch>
-            <a:fillRect/>
-          </a:stretch>
-        </p:blipFill>
-        <p:spPr bwMode="auto">
-          <a:xfrm>
-            <a:off x="860759" y="467086"/>
-            <a:ext cx="10647618" cy="5816147"/>
-          </a:xfrm>
-          <a:prstGeom prst="rect">
-            <a:avLst/>
-          </a:prstGeom>
-          <a:noFill/>
-          <a:ln w="9525">
-            <a:noFill/>
-            <a:miter lim="800000"/>
-            <a:headEnd/>
-            <a:tailEnd/>
-          </a:ln>
-          <a:effectLst/>
-        </p:spPr>
-      </p:pic>
-    </p:spTree>
-  </p:cSld>
-  <p:clrMapOvr>
-    <a:masterClrMapping/>
-  </p:clrMapOvr>
-</p:sld>
-</file>
-
 <file path=ppt/slides/slide3.xml><?xml version="1.0" encoding="utf-8"?>
 <p:sld xmlns:a="http://schemas.openxmlformats.org/drawingml/2006/main" xmlns:r="http://schemas.openxmlformats.org/officeDocument/2006/relationships" xmlns:p="http://schemas.openxmlformats.org/presentationml/2006/main">
   <p:cSld>
@@ -5064,326 +4560,6 @@
           <a:xfrm>
             <a:off x="2403565" y="1629682"/>
             <a:ext cx="7524205" cy="4653552"/>
-          </a:xfrm>
-          <a:prstGeom prst="rect">
-            <a:avLst/>
-          </a:prstGeom>
-          <a:noFill/>
-          <a:ln w="9525">
-            <a:noFill/>
-            <a:miter lim="800000"/>
-            <a:headEnd/>
-            <a:tailEnd/>
-          </a:ln>
-          <a:effectLst/>
-        </p:spPr>
-      </p:pic>
-    </p:spTree>
-  </p:cSld>
-  <p:clrMapOvr>
-    <a:masterClrMapping/>
-  </p:clrMapOvr>
-</p:sld>
-</file>
-
-<file path=ppt/slides/slide30.xml><?xml version="1.0" encoding="utf-8"?>
-<p:sld xmlns:a="http://schemas.openxmlformats.org/drawingml/2006/main" xmlns:r="http://schemas.openxmlformats.org/officeDocument/2006/relationships" xmlns:p="http://schemas.openxmlformats.org/presentationml/2006/main">
-  <p:cSld>
-    <p:spTree>
-      <p:nvGrpSpPr>
-        <p:cNvPr id="1" name=""/>
-        <p:cNvGrpSpPr/>
-        <p:nvPr/>
-      </p:nvGrpSpPr>
-      <p:grpSpPr>
-        <a:xfrm>
-          <a:off x="0" y="0"/>
-          <a:ext cx="0" cy="0"/>
-          <a:chOff x="0" y="0"/>
-          <a:chExt cx="0" cy="0"/>
-        </a:xfrm>
-      </p:grpSpPr>
-      <p:sp>
-        <p:nvSpPr>
-          <p:cNvPr id="2" name="Title 1"/>
-          <p:cNvSpPr>
-            <a:spLocks noGrp="1"/>
-          </p:cNvSpPr>
-          <p:nvPr>
-            <p:ph type="title"/>
-          </p:nvPr>
-        </p:nvSpPr>
-        <p:spPr/>
-        <p:txBody>
-          <a:bodyPr/>
-          <a:lstStyle/>
-          <a:p>
-            <a:r>
-              <a:rPr lang="en-US" dirty="0" smtClean="0"/>
-              <a:t>Fetch Method</a:t>
-            </a:r>
-            <a:endParaRPr lang="en-US" dirty="0"/>
-          </a:p>
-        </p:txBody>
-      </p:sp>
-      <p:pic>
-        <p:nvPicPr>
-          <p:cNvPr id="8194" name="Picture 2"/>
-          <p:cNvPicPr>
-            <a:picLocks noGrp="1" noChangeAspect="1" noChangeArrowheads="1"/>
-          </p:cNvPicPr>
-          <p:nvPr>
-            <p:ph idx="1"/>
-          </p:nvPr>
-        </p:nvPicPr>
-        <p:blipFill>
-          <a:blip r:embed="rId2"/>
-          <a:srcRect/>
-          <a:stretch>
-            <a:fillRect/>
-          </a:stretch>
-        </p:blipFill>
-        <p:spPr bwMode="auto">
-          <a:xfrm>
-            <a:off x="1374104" y="1472926"/>
-            <a:ext cx="10003643" cy="4967061"/>
-          </a:xfrm>
-          <a:prstGeom prst="rect">
-            <a:avLst/>
-          </a:prstGeom>
-          <a:noFill/>
-          <a:ln w="9525">
-            <a:noFill/>
-            <a:miter lim="800000"/>
-            <a:headEnd/>
-            <a:tailEnd/>
-          </a:ln>
-          <a:effectLst/>
-        </p:spPr>
-      </p:pic>
-    </p:spTree>
-  </p:cSld>
-  <p:clrMapOvr>
-    <a:masterClrMapping/>
-  </p:clrMapOvr>
-</p:sld>
-</file>
-
-<file path=ppt/slides/slide31.xml><?xml version="1.0" encoding="utf-8"?>
-<p:sld xmlns:a="http://schemas.openxmlformats.org/drawingml/2006/main" xmlns:r="http://schemas.openxmlformats.org/officeDocument/2006/relationships" xmlns:p="http://schemas.openxmlformats.org/presentationml/2006/main">
-  <p:cSld>
-    <p:spTree>
-      <p:nvGrpSpPr>
-        <p:cNvPr id="1" name=""/>
-        <p:cNvGrpSpPr/>
-        <p:nvPr/>
-      </p:nvGrpSpPr>
-      <p:grpSpPr>
-        <a:xfrm>
-          <a:off x="0" y="0"/>
-          <a:ext cx="0" cy="0"/>
-          <a:chOff x="0" y="0"/>
-          <a:chExt cx="0" cy="0"/>
-        </a:xfrm>
-      </p:grpSpPr>
-      <p:sp>
-        <p:nvSpPr>
-          <p:cNvPr id="2" name="Title 1"/>
-          <p:cNvSpPr>
-            <a:spLocks noGrp="1"/>
-          </p:cNvSpPr>
-          <p:nvPr>
-            <p:ph type="title"/>
-          </p:nvPr>
-        </p:nvSpPr>
-        <p:spPr/>
-        <p:txBody>
-          <a:bodyPr/>
-          <a:lstStyle/>
-          <a:p>
-            <a:endParaRPr lang="en-US"/>
-          </a:p>
-        </p:txBody>
-      </p:sp>
-      <p:pic>
-        <p:nvPicPr>
-          <p:cNvPr id="9218" name="Picture 2"/>
-          <p:cNvPicPr>
-            <a:picLocks noGrp="1" noChangeAspect="1" noChangeArrowheads="1"/>
-          </p:cNvPicPr>
-          <p:nvPr>
-            <p:ph idx="1"/>
-          </p:nvPr>
-        </p:nvPicPr>
-        <p:blipFill>
-          <a:blip r:embed="rId2"/>
-          <a:srcRect/>
-          <a:stretch>
-            <a:fillRect/>
-          </a:stretch>
-        </p:blipFill>
-        <p:spPr bwMode="auto">
-          <a:xfrm>
-            <a:off x="685527" y="585083"/>
-            <a:ext cx="10822849" cy="5750401"/>
-          </a:xfrm>
-          <a:prstGeom prst="rect">
-            <a:avLst/>
-          </a:prstGeom>
-          <a:noFill/>
-          <a:ln w="9525">
-            <a:noFill/>
-            <a:miter lim="800000"/>
-            <a:headEnd/>
-            <a:tailEnd/>
-          </a:ln>
-          <a:effectLst/>
-        </p:spPr>
-      </p:pic>
-    </p:spTree>
-  </p:cSld>
-  <p:clrMapOvr>
-    <a:masterClrMapping/>
-  </p:clrMapOvr>
-</p:sld>
-</file>
-
-<file path=ppt/slides/slide32.xml><?xml version="1.0" encoding="utf-8"?>
-<p:sld xmlns:a="http://schemas.openxmlformats.org/drawingml/2006/main" xmlns:r="http://schemas.openxmlformats.org/officeDocument/2006/relationships" xmlns:p="http://schemas.openxmlformats.org/presentationml/2006/main">
-  <p:cSld>
-    <p:spTree>
-      <p:nvGrpSpPr>
-        <p:cNvPr id="1" name=""/>
-        <p:cNvGrpSpPr/>
-        <p:nvPr/>
-      </p:nvGrpSpPr>
-      <p:grpSpPr>
-        <a:xfrm>
-          <a:off x="0" y="0"/>
-          <a:ext cx="0" cy="0"/>
-          <a:chOff x="0" y="0"/>
-          <a:chExt cx="0" cy="0"/>
-        </a:xfrm>
-      </p:grpSpPr>
-      <p:sp>
-        <p:nvSpPr>
-          <p:cNvPr id="2" name="Title 1"/>
-          <p:cNvSpPr>
-            <a:spLocks noGrp="1"/>
-          </p:cNvSpPr>
-          <p:nvPr>
-            <p:ph type="title"/>
-          </p:nvPr>
-        </p:nvSpPr>
-        <p:spPr/>
-        <p:txBody>
-          <a:bodyPr/>
-          <a:lstStyle/>
-          <a:p>
-            <a:endParaRPr lang="en-US"/>
-          </a:p>
-        </p:txBody>
-      </p:sp>
-      <p:pic>
-        <p:nvPicPr>
-          <p:cNvPr id="10242" name="Picture 2"/>
-          <p:cNvPicPr>
-            <a:picLocks noGrp="1" noChangeAspect="1" noChangeArrowheads="1"/>
-          </p:cNvPicPr>
-          <p:nvPr>
-            <p:ph idx="1"/>
-          </p:nvPr>
-        </p:nvPicPr>
-        <p:blipFill>
-          <a:blip r:embed="rId2"/>
-          <a:srcRect/>
-          <a:stretch>
-            <a:fillRect/>
-          </a:stretch>
-        </p:blipFill>
-        <p:spPr bwMode="auto">
-          <a:xfrm>
-            <a:off x="687569" y="459763"/>
-            <a:ext cx="10703242" cy="5026637"/>
-          </a:xfrm>
-          <a:prstGeom prst="rect">
-            <a:avLst/>
-          </a:prstGeom>
-          <a:noFill/>
-          <a:ln w="9525">
-            <a:noFill/>
-            <a:miter lim="800000"/>
-            <a:headEnd/>
-            <a:tailEnd/>
-          </a:ln>
-          <a:effectLst/>
-        </p:spPr>
-      </p:pic>
-    </p:spTree>
-  </p:cSld>
-  <p:clrMapOvr>
-    <a:masterClrMapping/>
-  </p:clrMapOvr>
-</p:sld>
-</file>
-
-<file path=ppt/slides/slide33.xml><?xml version="1.0" encoding="utf-8"?>
-<p:sld xmlns:a="http://schemas.openxmlformats.org/drawingml/2006/main" xmlns:r="http://schemas.openxmlformats.org/officeDocument/2006/relationships" xmlns:p="http://schemas.openxmlformats.org/presentationml/2006/main">
-  <p:cSld>
-    <p:spTree>
-      <p:nvGrpSpPr>
-        <p:cNvPr id="1" name=""/>
-        <p:cNvGrpSpPr/>
-        <p:nvPr/>
-      </p:nvGrpSpPr>
-      <p:grpSpPr>
-        <a:xfrm>
-          <a:off x="0" y="0"/>
-          <a:ext cx="0" cy="0"/>
-          <a:chOff x="0" y="0"/>
-          <a:chExt cx="0" cy="0"/>
-        </a:xfrm>
-      </p:grpSpPr>
-      <p:sp>
-        <p:nvSpPr>
-          <p:cNvPr id="2" name="Title 1"/>
-          <p:cNvSpPr>
-            <a:spLocks noGrp="1"/>
-          </p:cNvSpPr>
-          <p:nvPr>
-            <p:ph type="title"/>
-          </p:nvPr>
-        </p:nvSpPr>
-        <p:spPr/>
-        <p:txBody>
-          <a:bodyPr/>
-          <a:lstStyle/>
-          <a:p>
-            <a:endParaRPr lang="en-US"/>
-          </a:p>
-        </p:txBody>
-      </p:sp>
-      <p:pic>
-        <p:nvPicPr>
-          <p:cNvPr id="11266" name="Picture 2"/>
-          <p:cNvPicPr>
-            <a:picLocks noGrp="1" noChangeAspect="1" noChangeArrowheads="1"/>
-          </p:cNvPicPr>
-          <p:nvPr>
-            <p:ph idx="1"/>
-          </p:nvPr>
-        </p:nvPicPr>
-        <p:blipFill>
-          <a:blip r:embed="rId2"/>
-          <a:srcRect/>
-          <a:stretch>
-            <a:fillRect/>
-          </a:stretch>
-        </p:blipFill>
-        <p:spPr bwMode="auto">
-          <a:xfrm>
-            <a:off x="813859" y="480150"/>
-            <a:ext cx="11221387" cy="5528764"/>
           </a:xfrm>
           <a:prstGeom prst="rect">
             <a:avLst/>
